--- a/2018-01-07 FreeCodeCamp OKC.pptx
+++ b/2018-01-07 FreeCodeCamp OKC.pptx
@@ -425,7 +425,7 @@
     </p:spTree>
     <p:extLst>
       <p:ext uri="{BB962C8B-B14F-4D97-AF65-F5344CB8AC3E}">
-        <p14:creationId xmlns:p14="http://schemas.microsoft.com/office/powerpoint/2010/main" val="3186371085"/>
+        <p14:creationId xmlns:p14="http://schemas.microsoft.com/office/powerpoint/2010/main" val="2196881224"/>
       </p:ext>
     </p:extLst>
   </p:cSld>
@@ -7024,7 +7024,7 @@
                 <a:spcPts val="0"/>
               </a:spcBef>
               <a:spcAft>
-                <a:spcPts val="1600"/>
+                <a:spcPts val="0"/>
               </a:spcAft>
               <a:buNone/>
             </a:pPr>
@@ -7034,10 +7034,13 @@
             </a:r>
           </a:p>
           <a:p>
-            <a:pPr marL="0" lvl="0" indent="-69850" rtl="0">
-              <a:spcBef>
-                <a:spcPts val="0"/>
-              </a:spcBef>
+            <a:pPr marL="0" lvl="0" indent="-69850">
+              <a:spcBef>
+                <a:spcPts val="0"/>
+              </a:spcBef>
+              <a:spcAft>
+                <a:spcPts val="0"/>
+              </a:spcAft>
               <a:buClr>
                 <a:schemeClr val="dk2"/>
               </a:buClr>
@@ -7051,6 +7054,26 @@
             </a:r>
           </a:p>
           <a:p>
+            <a:pPr marL="0" lvl="0" indent="-69850" rtl="0">
+              <a:spcBef>
+                <a:spcPts val="0"/>
+              </a:spcBef>
+              <a:spcAft>
+                <a:spcPts val="0"/>
+              </a:spcAft>
+              <a:buClr>
+                <a:schemeClr val="dk2"/>
+              </a:buClr>
+              <a:buSzPts val="1100"/>
+              <a:buFont typeface="Arial"/>
+              <a:buNone/>
+            </a:pPr>
+            <a:r>
+              <a:rPr lang="en"/>
+              <a:t>The Odin Project: The pros and cons of a meta-tutorial (Joe Lee)</a:t>
+            </a:r>
+          </a:p>
+          <a:p>
             <a:pPr marL="0" marR="0" lvl="0" indent="0" algn="l" rtl="0">
               <a:lnSpc>
                 <a:spcPct val="115000"/>
@@ -7059,7 +7082,7 @@
                 <a:spcPts val="0"/>
               </a:spcBef>
               <a:spcAft>
-                <a:spcPts val="1600"/>
+                <a:spcPts val="0"/>
               </a:spcAft>
               <a:buNone/>
             </a:pPr>
@@ -7530,6 +7553,10 @@
               </a:rPr>
               <a:t>fccokc.com</a:t>
             </a:r>
+            <a:r>
+              <a:rPr lang="en"/>
+              <a:t> </a:t>
+            </a:r>
           </a:p>
           <a:p>
             <a:pPr marL="0" lvl="0" indent="0">
@@ -7541,11 +7568,15 @@
             <a:r>
               <a:rPr lang="en" u="sng">
                 <a:solidFill>
-                  <a:schemeClr val="hlink"/>
+                  <a:schemeClr val="accent5"/>
                 </a:solidFill>
                 <a:hlinkClick r:id="rId4"/>
               </a:rPr>
-              <a:t>meetup.com/FreeCodeCampOKC</a:t>
+              <a:t>linkedin.com/groups/12086660</a:t>
+            </a:r>
+            <a:r>
+              <a:rPr lang="en"/>
+              <a:t> </a:t>
             </a:r>
           </a:p>
           <a:p>
@@ -7562,11 +7593,24 @@
                 </a:solidFill>
                 <a:hlinkClick r:id="rId5"/>
               </a:rPr>
+              <a:t>meetup.com/FreeCodeCampOKC</a:t>
+            </a:r>
+          </a:p>
+          <a:p>
+            <a:pPr marL="0" lvl="0" indent="0">
+              <a:spcBef>
+                <a:spcPts val="0"/>
+              </a:spcBef>
+              <a:buNone/>
+            </a:pPr>
+            <a:r>
+              <a:rPr lang="en" u="sng">
+                <a:solidFill>
+                  <a:schemeClr val="hlink"/>
+                </a:solidFill>
+                <a:hlinkClick r:id="rId6"/>
+              </a:rPr>
               <a:t>twitter.com/FreeCodeCampOKC</a:t>
-            </a:r>
-            <a:r>
-              <a:rPr lang="en"/>
-              <a:t> </a:t>
             </a:r>
           </a:p>
         </p:txBody>
@@ -8540,7 +8584,7 @@
             </a:pPr>
             <a:r>
               <a:rPr lang="en"/>
-              <a:t>#freecodecamp channel</a:t>
+              <a:t>Channels for #freecodecamp, #jobs, and over 150 other topics</a:t>
             </a:r>
           </a:p>
         </p:txBody>
